--- a/AWS_Fruit_Status_MachineLearningModel_Web_Application/Report_PPT_Demo/Fruitilicious_PPT.pptx
+++ b/AWS_Fruit_Status_MachineLearningModel_Web_Application/Report_PPT_Demo/Fruitilicious_PPT.pptx
@@ -5,10 +5,10 @@
     <p:sldMasterId id="2147483660" r:id="rId4"/>
   </p:sldMasterIdLst>
   <p:notesMasterIdLst>
-    <p:notesMasterId r:id="rId29"/>
+    <p:notesMasterId r:id="rId28"/>
   </p:notesMasterIdLst>
   <p:handoutMasterIdLst>
-    <p:handoutMasterId r:id="rId30"/>
+    <p:handoutMasterId r:id="rId29"/>
   </p:handoutMasterIdLst>
   <p:sldIdLst>
     <p:sldId id="256" r:id="rId5"/>
@@ -33,8 +33,7 @@
     <p:sldId id="289" r:id="rId24"/>
     <p:sldId id="291" r:id="rId25"/>
     <p:sldId id="275" r:id="rId26"/>
-    <p:sldId id="303" r:id="rId27"/>
-    <p:sldId id="296" r:id="rId28"/>
+    <p:sldId id="296" r:id="rId27"/>
   </p:sldIdLst>
   <p:sldSz cx="12188825" cy="6858000"/>
   <p:notesSz cx="6858000" cy="9144000"/>
@@ -248,7 +247,7 @@
           <a:p>
             <a:fld id="{705E03B7-B591-4A2A-B695-014C5A39F13E}" type="datetimeFigureOut">
               <a:rPr lang="en-US"/>
-              <a:t>4/29/2020</a:t>
+              <a:t>7/8/2020</a:t>
             </a:fld>
             <a:endParaRPr/>
           </a:p>
@@ -413,7 +412,7 @@
           <a:p>
             <a:fld id="{67DFBD7B-E4FB-4AA8-9540-FD148073ACB3}" type="datetimeFigureOut">
               <a:rPr lang="en-US"/>
-              <a:t>4/29/2020</a:t>
+              <a:t>7/8/2020</a:t>
             </a:fld>
             <a:endParaRPr/>
           </a:p>
@@ -1078,7 +1077,7 @@
           <a:p>
             <a:fld id="{A7209051-6E81-43E8-9099-FF6A0C3DCFE8}" type="datetime1">
               <a:rPr lang="en-US" smtClean="0"/>
-              <a:t>4/29/2020</a:t>
+              <a:t>7/8/2020</a:t>
             </a:fld>
             <a:endParaRPr lang="en-US"/>
           </a:p>
@@ -1273,7 +1272,7 @@
           <a:p>
             <a:fld id="{EDCEAB04-7709-4C1E-A61A-74684A0170FC}" type="datetime1">
               <a:rPr lang="en-US" smtClean="0"/>
-              <a:t>4/29/2020</a:t>
+              <a:t>7/8/2020</a:t>
             </a:fld>
             <a:endParaRPr lang="en-US"/>
           </a:p>
@@ -1469,7 +1468,7 @@
           <a:p>
             <a:fld id="{0C79BD0D-E0B1-4CED-AC65-708AC79EB9CD}" type="datetime1">
               <a:rPr lang="en-US" smtClean="0"/>
-              <a:t>4/29/2020</a:t>
+              <a:t>7/8/2020</a:t>
             </a:fld>
             <a:endParaRPr lang="en-US"/>
           </a:p>
@@ -1655,7 +1654,7 @@
           <a:p>
             <a:fld id="{0CC3EA6D-DF0B-4D4B-B359-5F1D1D0E30A4}" type="datetime1">
               <a:rPr lang="en-US" smtClean="0"/>
-              <a:t>4/29/2020</a:t>
+              <a:t>7/8/2020</a:t>
             </a:fld>
             <a:endParaRPr lang="en-US"/>
           </a:p>
@@ -1984,7 +1983,7 @@
           <a:p>
             <a:fld id="{977EDB99-15BC-4479-BAC5-1E502E66917A}" type="datetime1">
               <a:rPr lang="en-US" smtClean="0"/>
-              <a:t>4/29/2020</a:t>
+              <a:t>7/8/2020</a:t>
             </a:fld>
             <a:endParaRPr lang="en-US"/>
           </a:p>
@@ -2386,7 +2385,7 @@
           <a:p>
             <a:fld id="{4067C2A3-CD19-48AB-9F64-ECCF75182EDD}" type="datetime1">
               <a:rPr lang="en-US" smtClean="0"/>
-              <a:t>4/29/2020</a:t>
+              <a:t>7/8/2020</a:t>
             </a:fld>
             <a:endParaRPr lang="en-US"/>
           </a:p>
@@ -2836,7 +2835,7 @@
           <a:p>
             <a:fld id="{0363E8C1-7C87-4705-AB97-8CD17D208E3F}" type="datetime1">
               <a:rPr lang="en-US" smtClean="0"/>
-              <a:t>4/29/2020</a:t>
+              <a:t>7/8/2020</a:t>
             </a:fld>
             <a:endParaRPr lang="en-US"/>
           </a:p>
@@ -2970,7 +2969,7 @@
           <a:p>
             <a:fld id="{E20C624E-DF92-4841-B9B9-DD11AA239B85}" type="datetime1">
               <a:rPr lang="en-US" smtClean="0"/>
-              <a:t>4/29/2020</a:t>
+              <a:t>7/8/2020</a:t>
             </a:fld>
             <a:endParaRPr lang="en-US"/>
           </a:p>
@@ -3081,7 +3080,7 @@
           <a:p>
             <a:fld id="{FBDA3AE1-4360-4D5B-BDBC-656B872DD533}" type="datetime1">
               <a:rPr lang="en-US" smtClean="0"/>
-              <a:t>4/29/2020</a:t>
+              <a:t>7/8/2020</a:t>
             </a:fld>
             <a:endParaRPr lang="en-US"/>
           </a:p>
@@ -3447,7 +3446,7 @@
           <a:p>
             <a:fld id="{20990708-46A4-4851-883E-8DFB8939107E}" type="datetime1">
               <a:rPr lang="en-US" smtClean="0"/>
-              <a:t>4/29/2020</a:t>
+              <a:t>7/8/2020</a:t>
             </a:fld>
             <a:endParaRPr lang="en-US"/>
           </a:p>
@@ -3888,7 +3887,7 @@
           <a:p>
             <a:fld id="{AE88EFFC-86AE-4294-A319-CAFC2651994B}" type="datetime1">
               <a:rPr lang="en-US" smtClean="0"/>
-              <a:t>4/29/2020</a:t>
+              <a:t>7/8/2020</a:t>
             </a:fld>
             <a:endParaRPr lang="en-US"/>
           </a:p>
@@ -4182,7 +4181,7 @@
             <a:fld id="{D29E8617-6EA8-4B97-A5E8-E18E98765EE2}" type="datetime1">
               <a:rPr lang="en-US" smtClean="0"/>
               <a:pPr/>
-              <a:t>4/29/2020</a:t>
+              <a:t>7/8/2020</a:t>
             </a:fld>
             <a:endParaRPr lang="en-US" dirty="0"/>
           </a:p>
@@ -5694,7 +5693,7 @@
         <p:spPr>
           <a:xfrm>
             <a:off x="4910741" y="5199742"/>
-            <a:ext cx="5386211" cy="1338828"/>
+            <a:ext cx="5386211" cy="338554"/>
           </a:xfrm>
           <a:prstGeom prst="rect">
             <a:avLst/>
@@ -5715,63 +5714,6 @@
             <a:r>
               <a:rPr lang="en-US" sz="1600" dirty="0"/>
               <a:t>Deepika Srinivasan 700693073</a:t>
-            </a:r>
-          </a:p>
-          <a:p>
-            <a:pPr>
-              <a:spcAft>
-                <a:spcPts val="600"/>
-              </a:spcAft>
-            </a:pPr>
-            <a:r>
-              <a:rPr lang="en-US" sz="1600" dirty="0"/>
-              <a:t>Bharath Lakshmi Naga </a:t>
-            </a:r>
-            <a:r>
-              <a:rPr lang="en-US" sz="1600" dirty="0" err="1"/>
-              <a:t>Shyam</a:t>
-            </a:r>
-            <a:r>
-              <a:rPr lang="en-US" sz="1600" dirty="0"/>
-              <a:t> Gopal </a:t>
-            </a:r>
-            <a:r>
-              <a:rPr lang="en-US" sz="1600" dirty="0" err="1"/>
-              <a:t>Garaga</a:t>
-            </a:r>
-            <a:r>
-              <a:rPr lang="en-US" sz="1600" dirty="0"/>
-              <a:t> 700700732</a:t>
-            </a:r>
-          </a:p>
-          <a:p>
-            <a:pPr>
-              <a:spcAft>
-                <a:spcPts val="600"/>
-              </a:spcAft>
-            </a:pPr>
-            <a:r>
-              <a:rPr lang="en-US" sz="1600" dirty="0"/>
-              <a:t>Saurabh </a:t>
-            </a:r>
-            <a:r>
-              <a:rPr lang="en-US" sz="1600" dirty="0" err="1"/>
-              <a:t>Manocha</a:t>
-            </a:r>
-            <a:r>
-              <a:rPr lang="en-US" sz="1600" dirty="0"/>
-              <a:t>  	700699446</a:t>
-            </a:r>
-          </a:p>
-          <a:p>
-            <a:pPr>
-              <a:spcAft>
-                <a:spcPts val="600"/>
-              </a:spcAft>
-            </a:pPr>
-            <a:r>
-              <a:rPr lang="en-US" sz="1600" dirty="0"/>
-              <a:t>Sowmya Para 700692587</a:t>
             </a:r>
           </a:p>
         </p:txBody>
@@ -17645,631 +17587,6 @@
 </file>
 
 <file path=ppt/slides/slide23.xml><?xml version="1.0" encoding="utf-8"?>
-<p:sld xmlns:a="http://schemas.openxmlformats.org/drawingml/2006/main" xmlns:r="http://schemas.openxmlformats.org/officeDocument/2006/relationships" xmlns:p="http://schemas.openxmlformats.org/presentationml/2006/main">
-  <p:cSld>
-    <p:bg>
-      <p:bgPr>
-        <a:solidFill>
-          <a:schemeClr val="bg1"/>
-        </a:solidFill>
-        <a:effectLst/>
-      </p:bgPr>
-    </p:bg>
-    <p:spTree>
-      <p:nvGrpSpPr>
-        <p:cNvPr id="1" name=""/>
-        <p:cNvGrpSpPr/>
-        <p:nvPr/>
-      </p:nvGrpSpPr>
-      <p:grpSpPr>
-        <a:xfrm>
-          <a:off x="0" y="0"/>
-          <a:ext cx="0" cy="0"/>
-          <a:chOff x="0" y="0"/>
-          <a:chExt cx="0" cy="0"/>
-        </a:xfrm>
-      </p:grpSpPr>
-      <p:sp useBgFill="1">
-        <p:nvSpPr>
-          <p:cNvPr id="28" name="Rectangle 18">
-            <a:extLst>
-              <a:ext uri="{FF2B5EF4-FFF2-40B4-BE49-F238E27FC236}">
-                <a16:creationId xmlns:a16="http://schemas.microsoft.com/office/drawing/2014/main" id="{E009DD9B-5EE2-4C0D-8B2B-351C8C102205}"/>
-              </a:ext>
-              <a:ext uri="{C183D7F6-B498-43B3-948B-1728B52AA6E4}">
-                <adec:decorative xmlns:adec="http://schemas.microsoft.com/office/drawing/2017/decorative" val="1"/>
-              </a:ext>
-            </a:extLst>
-          </p:cNvPr>
-          <p:cNvSpPr>
-            <a:spLocks noGrp="1" noRot="1" noChangeAspect="1" noMove="1" noResize="1" noEditPoints="1" noAdjustHandles="1" noChangeArrowheads="1" noChangeShapeType="1" noTextEdit="1"/>
-          </p:cNvSpPr>
-          <p:nvPr>
-            <p:extLst>
-              <p:ext uri="{386F3935-93C4-4BCD-93E2-E3B085C9AB24}">
-                <p16:designElem xmlns:p16="http://schemas.microsoft.com/office/powerpoint/2015/main" val="1"/>
-              </p:ext>
-            </p:extLst>
-          </p:nvPr>
-        </p:nvSpPr>
-        <p:spPr>
-          <a:xfrm>
-            <a:off x="0" y="0"/>
-            <a:ext cx="12188825" cy="6858000"/>
-          </a:xfrm>
-          <a:prstGeom prst="rect">
-            <a:avLst/>
-          </a:prstGeom>
-          <a:ln>
-            <a:noFill/>
-          </a:ln>
-        </p:spPr>
-        <p:style>
-          <a:lnRef idx="2">
-            <a:schemeClr val="accent1">
-              <a:shade val="50000"/>
-            </a:schemeClr>
-          </a:lnRef>
-          <a:fillRef idx="1">
-            <a:schemeClr val="accent1"/>
-          </a:fillRef>
-          <a:effectRef idx="0">
-            <a:schemeClr val="accent1"/>
-          </a:effectRef>
-          <a:fontRef idx="minor">
-            <a:schemeClr val="lt1"/>
-          </a:fontRef>
-        </p:style>
-        <p:txBody>
-          <a:bodyPr rtlCol="0" anchor="ctr"/>
-          <a:lstStyle/>
-          <a:p>
-            <a:pPr algn="ctr"/>
-            <a:endParaRPr lang="en-US"/>
-          </a:p>
-        </p:txBody>
-      </p:sp>
-      <p:pic>
-        <p:nvPicPr>
-          <p:cNvPr id="4" name="Picture 3">
-            <a:extLst>
-              <a:ext uri="{FF2B5EF4-FFF2-40B4-BE49-F238E27FC236}">
-                <a16:creationId xmlns:a16="http://schemas.microsoft.com/office/drawing/2014/main" id="{07FEC7E2-8096-4D11-859B-CD541CAC0157}"/>
-              </a:ext>
-            </a:extLst>
-          </p:cNvPr>
-          <p:cNvPicPr>
-            <a:picLocks noChangeAspect="1"/>
-          </p:cNvPicPr>
-          <p:nvPr/>
-        </p:nvPicPr>
-        <p:blipFill>
-          <a:blip r:embed="rId2"/>
-          <a:stretch>
-            <a:fillRect/>
-          </a:stretch>
-        </p:blipFill>
-        <p:spPr>
-          <a:xfrm>
-            <a:off x="3701673" y="1008214"/>
-            <a:ext cx="4785478" cy="2476485"/>
-          </a:xfrm>
-          <a:prstGeom prst="rect">
-            <a:avLst/>
-          </a:prstGeom>
-          <a:effectLst>
-            <a:softEdge rad="152400"/>
-          </a:effectLst>
-          <a:scene3d>
-            <a:camera prst="obliqueTopLeft"/>
-            <a:lightRig rig="threePt" dir="t"/>
-          </a:scene3d>
-        </p:spPr>
-      </p:pic>
-      <p:sp>
-        <p:nvSpPr>
-          <p:cNvPr id="30" name="Rectangle 20">
-            <a:extLst>
-              <a:ext uri="{FF2B5EF4-FFF2-40B4-BE49-F238E27FC236}">
-                <a16:creationId xmlns:a16="http://schemas.microsoft.com/office/drawing/2014/main" id="{E720DB99-7745-4E75-9D96-AAB6D55C531E}"/>
-              </a:ext>
-              <a:ext uri="{C183D7F6-B498-43B3-948B-1728B52AA6E4}">
-                <adec:decorative xmlns:adec="http://schemas.microsoft.com/office/drawing/2017/decorative" val="1"/>
-              </a:ext>
-            </a:extLst>
-          </p:cNvPr>
-          <p:cNvSpPr>
-            <a:spLocks noGrp="1" noRot="1" noChangeAspect="1" noMove="1" noResize="1" noEditPoints="1" noAdjustHandles="1" noChangeArrowheads="1" noChangeShapeType="1" noTextEdit="1"/>
-          </p:cNvSpPr>
-          <p:nvPr>
-            <p:extLst>
-              <p:ext uri="{386F3935-93C4-4BCD-93E2-E3B085C9AB24}">
-                <p16:designElem xmlns:p16="http://schemas.microsoft.com/office/powerpoint/2015/main" val="1"/>
-              </p:ext>
-            </p:extLst>
-          </p:nvPr>
-        </p:nvSpPr>
-        <p:spPr>
-          <a:xfrm>
-            <a:off x="984247" y="3837459"/>
-            <a:ext cx="10220330" cy="80683"/>
-          </a:xfrm>
-          <a:prstGeom prst="rect">
-            <a:avLst/>
-          </a:prstGeom>
-          <a:blipFill dpi="0" rotWithShape="1">
-            <a:blip r:embed="rId3">
-              <a:alphaModFix amt="85000"/>
-              <a:lum bright="70000" contrast="-70000"/>
-              <a:extLst>
-                <a:ext uri="{BEBA8EAE-BF5A-486C-A8C5-ECC9F3942E4B}">
-                  <a14:imgProps xmlns:a14="http://schemas.microsoft.com/office/drawing/2010/main">
-                    <a14:imgLayer r:embed="rId4">
-                      <a14:imgEffect>
-                        <a14:sharpenSoften amount="61000"/>
-                      </a14:imgEffect>
-                    </a14:imgLayer>
-                  </a14:imgProps>
-                </a:ext>
-                <a:ext uri="{28A0092B-C50C-407E-A947-70E740481C1C}">
-                  <a14:useLocalDpi xmlns:a14="http://schemas.microsoft.com/office/drawing/2010/main" val="0"/>
-                </a:ext>
-              </a:extLst>
-            </a:blip>
-            <a:srcRect/>
-            <a:tile tx="0" ty="-762000" sx="92000" sy="89000" flip="xy" algn="ctr"/>
-          </a:blipFill>
-          <a:ln>
-            <a:noFill/>
-          </a:ln>
-        </p:spPr>
-        <p:style>
-          <a:lnRef idx="2">
-            <a:schemeClr val="accent1">
-              <a:shade val="50000"/>
-            </a:schemeClr>
-          </a:lnRef>
-          <a:fillRef idx="1">
-            <a:schemeClr val="accent1"/>
-          </a:fillRef>
-          <a:effectRef idx="0">
-            <a:schemeClr val="accent1"/>
-          </a:effectRef>
-          <a:fontRef idx="minor">
-            <a:schemeClr val="lt1"/>
-          </a:fontRef>
-        </p:style>
-      </p:sp>
-      <p:sp>
-        <p:nvSpPr>
-          <p:cNvPr id="31" name="Rectangle 22">
-            <a:extLst>
-              <a:ext uri="{FF2B5EF4-FFF2-40B4-BE49-F238E27FC236}">
-                <a16:creationId xmlns:a16="http://schemas.microsoft.com/office/drawing/2014/main" id="{D68803C4-E159-4360-B7BB-74205C8F782D}"/>
-              </a:ext>
-              <a:ext uri="{C183D7F6-B498-43B3-948B-1728B52AA6E4}">
-                <adec:decorative xmlns:adec="http://schemas.microsoft.com/office/drawing/2017/decorative" val="1"/>
-              </a:ext>
-            </a:extLst>
-          </p:cNvPr>
-          <p:cNvSpPr>
-            <a:spLocks noGrp="1" noRot="1" noChangeAspect="1" noMove="1" noResize="1" noEditPoints="1" noAdjustHandles="1" noChangeArrowheads="1" noChangeShapeType="1" noTextEdit="1"/>
-          </p:cNvSpPr>
-          <p:nvPr>
-            <p:extLst>
-              <p:ext uri="{386F3935-93C4-4BCD-93E2-E3B085C9AB24}">
-                <p16:designElem xmlns:p16="http://schemas.microsoft.com/office/powerpoint/2015/main" val="1"/>
-              </p:ext>
-            </p:extLst>
-          </p:nvPr>
-        </p:nvSpPr>
-        <p:spPr>
-          <a:xfrm>
-            <a:off x="984247" y="3981573"/>
-            <a:ext cx="10220330" cy="2078335"/>
-          </a:xfrm>
-          <a:prstGeom prst="rect">
-            <a:avLst/>
-          </a:prstGeom>
-          <a:blipFill dpi="0" rotWithShape="1">
-            <a:blip r:embed="rId3">
-              <a:alphaModFix amt="95000"/>
-              <a:lum bright="70000" contrast="-70000"/>
-              <a:extLst>
-                <a:ext uri="{BEBA8EAE-BF5A-486C-A8C5-ECC9F3942E4B}">
-                  <a14:imgProps xmlns:a14="http://schemas.microsoft.com/office/drawing/2010/main">
-                    <a14:imgLayer r:embed="rId4">
-                      <a14:imgEffect>
-                        <a14:sharpenSoften amount="61000"/>
-                      </a14:imgEffect>
-                    </a14:imgLayer>
-                  </a14:imgProps>
-                </a:ext>
-                <a:ext uri="{28A0092B-C50C-407E-A947-70E740481C1C}">
-                  <a14:useLocalDpi xmlns:a14="http://schemas.microsoft.com/office/drawing/2010/main" val="0"/>
-                </a:ext>
-              </a:extLst>
-            </a:blip>
-            <a:srcRect/>
-            <a:tile tx="0" ty="-704850" sx="92000" sy="89000" flip="xy" algn="ctr"/>
-          </a:blipFill>
-          <a:ln>
-            <a:noFill/>
-          </a:ln>
-        </p:spPr>
-        <p:style>
-          <a:lnRef idx="2">
-            <a:schemeClr val="accent1">
-              <a:shade val="50000"/>
-            </a:schemeClr>
-          </a:lnRef>
-          <a:fillRef idx="1">
-            <a:schemeClr val="accent1"/>
-          </a:fillRef>
-          <a:effectRef idx="0">
-            <a:schemeClr val="accent1"/>
-          </a:effectRef>
-          <a:fontRef idx="minor">
-            <a:schemeClr val="lt1"/>
-          </a:fontRef>
-        </p:style>
-      </p:sp>
-      <p:pic>
-        <p:nvPicPr>
-          <p:cNvPr id="5" name="Picture 4">
-            <a:extLst>
-              <a:ext uri="{FF2B5EF4-FFF2-40B4-BE49-F238E27FC236}">
-                <a16:creationId xmlns:a16="http://schemas.microsoft.com/office/drawing/2014/main" id="{A4040339-D7EA-4783-92AF-73ED880EE8A0}"/>
-              </a:ext>
-            </a:extLst>
-          </p:cNvPr>
-          <p:cNvPicPr>
-            <a:picLocks noChangeAspect="1"/>
-          </p:cNvPicPr>
-          <p:nvPr/>
-        </p:nvPicPr>
-        <p:blipFill>
-          <a:blip r:embed="rId5"/>
-          <a:stretch>
-            <a:fillRect/>
-          </a:stretch>
-        </p:blipFill>
-        <p:spPr>
-          <a:xfrm>
-            <a:off x="2064692" y="4404432"/>
-            <a:ext cx="3240759" cy="1310568"/>
-          </a:xfrm>
-          <a:prstGeom prst="rect">
-            <a:avLst/>
-          </a:prstGeom>
-        </p:spPr>
-      </p:pic>
-      <p:sp>
-        <p:nvSpPr>
-          <p:cNvPr id="3" name="Content Placeholder 2">
-            <a:extLst>
-              <a:ext uri="{FF2B5EF4-FFF2-40B4-BE49-F238E27FC236}">
-                <a16:creationId xmlns:a16="http://schemas.microsoft.com/office/drawing/2014/main" id="{99A70AF1-89C1-4577-8778-7A267C0643FC}"/>
-              </a:ext>
-            </a:extLst>
-          </p:cNvPr>
-          <p:cNvSpPr>
-            <a:spLocks noGrp="1"/>
-          </p:cNvSpPr>
-          <p:nvPr>
-            <p:ph idx="1"/>
-          </p:nvPr>
-        </p:nvSpPr>
-        <p:spPr>
-          <a:xfrm>
-            <a:off x="5637212" y="4170410"/>
-            <a:ext cx="5277085" cy="1767141"/>
-          </a:xfrm>
-        </p:spPr>
-        <p:txBody>
-          <a:bodyPr anchor="ctr">
-            <a:normAutofit/>
-          </a:bodyPr>
-          <a:lstStyle/>
-          <a:p>
-            <a:r>
-              <a:rPr lang="en-US" sz="1700" dirty="0"/>
-              <a:t>Deepika-Machine Learning Model, IAM and EC2</a:t>
-            </a:r>
-          </a:p>
-          <a:p>
-            <a:r>
-              <a:rPr lang="en-US" sz="1700" dirty="0"/>
-              <a:t>Sowmya-S3</a:t>
-            </a:r>
-          </a:p>
-          <a:p>
-            <a:r>
-              <a:rPr lang="en-US" sz="1700" dirty="0"/>
-              <a:t>Saurabh-Lambda and SES</a:t>
-            </a:r>
-          </a:p>
-          <a:p>
-            <a:r>
-              <a:rPr lang="en-US" sz="1700" dirty="0" err="1"/>
-              <a:t>Shyam</a:t>
-            </a:r>
-            <a:r>
-              <a:rPr lang="en-US" sz="1700" dirty="0"/>
-              <a:t>-RDS </a:t>
-            </a:r>
-          </a:p>
-          <a:p>
-            <a:endParaRPr lang="en-US" sz="1700" dirty="0"/>
-          </a:p>
-        </p:txBody>
-      </p:sp>
-      <p:sp>
-        <p:nvSpPr>
-          <p:cNvPr id="25" name="Rectangle 24">
-            <a:extLst>
-              <a:ext uri="{FF2B5EF4-FFF2-40B4-BE49-F238E27FC236}">
-                <a16:creationId xmlns:a16="http://schemas.microsoft.com/office/drawing/2014/main" id="{504B0465-3B07-49BF-BEA7-D81476246293}"/>
-              </a:ext>
-              <a:ext uri="{C183D7F6-B498-43B3-948B-1728B52AA6E4}">
-                <adec:decorative xmlns:adec="http://schemas.microsoft.com/office/drawing/2017/decorative" val="1"/>
-              </a:ext>
-            </a:extLst>
-          </p:cNvPr>
-          <p:cNvSpPr>
-            <a:spLocks noGrp="1" noRot="1" noChangeAspect="1" noMove="1" noResize="1" noEditPoints="1" noAdjustHandles="1" noChangeArrowheads="1" noChangeShapeType="1" noTextEdit="1"/>
-          </p:cNvSpPr>
-          <p:nvPr>
-            <p:extLst>
-              <p:ext uri="{386F3935-93C4-4BCD-93E2-E3B085C9AB24}">
-                <p16:designElem xmlns:p16="http://schemas.microsoft.com/office/powerpoint/2015/main" val="1"/>
-              </p:ext>
-            </p:extLst>
-          </p:nvPr>
-        </p:nvSpPr>
-        <p:spPr>
-          <a:xfrm>
-            <a:off x="984247" y="6128670"/>
-            <a:ext cx="10220330" cy="80683"/>
-          </a:xfrm>
-          <a:prstGeom prst="rect">
-            <a:avLst/>
-          </a:prstGeom>
-          <a:blipFill dpi="0" rotWithShape="1">
-            <a:blip r:embed="rId3">
-              <a:alphaModFix amt="85000"/>
-              <a:lum bright="70000" contrast="-70000"/>
-              <a:extLst>
-                <a:ext uri="{BEBA8EAE-BF5A-486C-A8C5-ECC9F3942E4B}">
-                  <a14:imgProps xmlns:a14="http://schemas.microsoft.com/office/drawing/2010/main">
-                    <a14:imgLayer r:embed="rId4">
-                      <a14:imgEffect>
-                        <a14:sharpenSoften amount="61000"/>
-                      </a14:imgEffect>
-                    </a14:imgLayer>
-                  </a14:imgProps>
-                </a:ext>
-                <a:ext uri="{28A0092B-C50C-407E-A947-70E740481C1C}">
-                  <a14:useLocalDpi xmlns:a14="http://schemas.microsoft.com/office/drawing/2010/main" val="0"/>
-                </a:ext>
-              </a:extLst>
-            </a:blip>
-            <a:srcRect/>
-            <a:tile tx="0" ty="-717550" sx="92000" sy="89000" flip="xy" algn="ctr"/>
-          </a:blipFill>
-          <a:ln>
-            <a:noFill/>
-          </a:ln>
-        </p:spPr>
-        <p:style>
-          <a:lnRef idx="2">
-            <a:schemeClr val="accent1">
-              <a:shade val="50000"/>
-            </a:schemeClr>
-          </a:lnRef>
-          <a:fillRef idx="1">
-            <a:schemeClr val="accent1"/>
-          </a:fillRef>
-          <a:effectRef idx="0">
-            <a:schemeClr val="accent1"/>
-          </a:effectRef>
-          <a:fontRef idx="minor">
-            <a:schemeClr val="lt1"/>
-          </a:fontRef>
-        </p:style>
-      </p:sp>
-      <p:sp>
-        <p:nvSpPr>
-          <p:cNvPr id="27" name="Oval 26">
-            <a:extLst>
-              <a:ext uri="{FF2B5EF4-FFF2-40B4-BE49-F238E27FC236}">
-                <a16:creationId xmlns:a16="http://schemas.microsoft.com/office/drawing/2014/main" id="{49B7FFA5-14CB-4A4F-9BCC-CA3AA5D9D276}"/>
-              </a:ext>
-              <a:ext uri="{C183D7F6-B498-43B3-948B-1728B52AA6E4}">
-                <adec:decorative xmlns:adec="http://schemas.microsoft.com/office/drawing/2017/decorative" val="1"/>
-              </a:ext>
-            </a:extLst>
-          </p:cNvPr>
-          <p:cNvSpPr>
-            <a:spLocks noGrp="1" noRot="1" noChangeAspect="1" noMove="1" noResize="1" noEditPoints="1" noAdjustHandles="1" noChangeArrowheads="1" noChangeShapeType="1" noTextEdit="1"/>
-          </p:cNvSpPr>
-          <p:nvPr>
-            <p:extLst>
-              <p:ext uri="{386F3935-93C4-4BCD-93E2-E3B085C9AB24}">
-                <p16:designElem xmlns:p16="http://schemas.microsoft.com/office/powerpoint/2015/main" val="1"/>
-              </p:ext>
-            </p:extLst>
-          </p:nvPr>
-        </p:nvSpPr>
-        <p:spPr>
-          <a:xfrm>
-            <a:off x="11398755" y="6229681"/>
-            <a:ext cx="457081" cy="457200"/>
-          </a:xfrm>
-          <a:prstGeom prst="ellipse">
-            <a:avLst/>
-          </a:prstGeom>
-          <a:blipFill dpi="0" rotWithShape="1">
-            <a:blip r:embed="rId6">
-              <a:duotone>
-                <a:schemeClr val="accent1">
-                  <a:shade val="45000"/>
-                  <a:satMod val="135000"/>
-                </a:schemeClr>
-                <a:prstClr val="white"/>
-              </a:duotone>
-            </a:blip>
-            <a:srcRect/>
-            <a:tile tx="50800" ty="0" sx="85000" sy="85000" flip="none" algn="tl"/>
-          </a:blipFill>
-          <a:ln w="25400" cap="flat" cmpd="sng" algn="ctr">
-            <a:noFill/>
-            <a:prstDash val="solid"/>
-          </a:ln>
-          <a:effectLst/>
-        </p:spPr>
-        <p:txBody>
-          <a:bodyPr lIns="0" tIns="0" rIns="0" bIns="0" rtlCol="0" anchor="ctr"/>
-          <a:lstStyle/>
-          <a:p>
-            <a:pPr marL="0" marR="0" lvl="0" indent="0" algn="ctr" defTabSz="914400" eaLnBrk="1" fontAlgn="auto" latinLnBrk="0" hangingPunct="1">
-              <a:lnSpc>
-                <a:spcPct val="100000"/>
-              </a:lnSpc>
-              <a:spcBef>
-                <a:spcPts val="0"/>
-              </a:spcBef>
-              <a:spcAft>
-                <a:spcPts val="0"/>
-              </a:spcAft>
-              <a:buClrTx/>
-              <a:buSzTx/>
-              <a:buFontTx/>
-              <a:buNone/>
-              <a:tabLst/>
-              <a:defRPr/>
-            </a:pPr>
-            <a:endParaRPr kumimoji="0" lang="en-US" sz="2000" b="0" i="0" u="none" strike="noStrike" kern="0" cap="none" spc="0" normalizeH="0" baseline="0" noProof="0" dirty="0">
-              <a:ln>
-                <a:noFill/>
-              </a:ln>
-              <a:solidFill>
-                <a:prstClr val="white"/>
-              </a:solidFill>
-              <a:effectLst/>
-              <a:uLnTx/>
-              <a:uFillTx/>
-              <a:latin typeface="Rockwell Extra Bold" pitchFamily="18" charset="0"/>
-              <a:ea typeface="+mn-ea"/>
-              <a:cs typeface="+mn-cs"/>
-            </a:endParaRPr>
-          </a:p>
-        </p:txBody>
-      </p:sp>
-      <p:sp>
-        <p:nvSpPr>
-          <p:cNvPr id="29" name="Oval 28">
-            <a:extLst>
-              <a:ext uri="{FF2B5EF4-FFF2-40B4-BE49-F238E27FC236}">
-                <a16:creationId xmlns:a16="http://schemas.microsoft.com/office/drawing/2014/main" id="{04E48745-7512-4EC2-9E20-9092D12150CA}"/>
-              </a:ext>
-              <a:ext uri="{C183D7F6-B498-43B3-948B-1728B52AA6E4}">
-                <adec:decorative xmlns:adec="http://schemas.microsoft.com/office/drawing/2017/decorative" val="1"/>
-              </a:ext>
-            </a:extLst>
-          </p:cNvPr>
-          <p:cNvSpPr>
-            <a:spLocks noGrp="1" noRot="1" noChangeAspect="1" noMove="1" noResize="1" noEditPoints="1" noAdjustHandles="1" noChangeArrowheads="1" noChangeShapeType="1" noTextEdit="1"/>
-          </p:cNvSpPr>
-          <p:nvPr>
-            <p:extLst>
-              <p:ext uri="{386F3935-93C4-4BCD-93E2-E3B085C9AB24}">
-                <p16:designElem xmlns:p16="http://schemas.microsoft.com/office/powerpoint/2015/main" val="1"/>
-              </p:ext>
-            </p:extLst>
-          </p:nvPr>
-        </p:nvSpPr>
-        <p:spPr>
-          <a:xfrm>
-            <a:off x="11427941" y="6258874"/>
-            <a:ext cx="398709" cy="398815"/>
-          </a:xfrm>
-          <a:prstGeom prst="ellipse">
-            <a:avLst/>
-          </a:prstGeom>
-          <a:noFill/>
-          <a:ln w="12700" cap="flat" cmpd="sng" algn="ctr">
-            <a:solidFill>
-              <a:srgbClr val="FFFFFF"/>
-            </a:solidFill>
-            <a:prstDash val="solid"/>
-          </a:ln>
-          <a:effectLst/>
-        </p:spPr>
-        <p:txBody>
-          <a:bodyPr rtlCol="0" anchor="ctr"/>
-          <a:lstStyle/>
-          <a:p>
-            <a:pPr marL="0" marR="0" lvl="0" indent="0" algn="ctr" defTabSz="914400" eaLnBrk="1" fontAlgn="auto" latinLnBrk="0" hangingPunct="1">
-              <a:lnSpc>
-                <a:spcPct val="100000"/>
-              </a:lnSpc>
-              <a:spcBef>
-                <a:spcPts val="0"/>
-              </a:spcBef>
-              <a:spcAft>
-                <a:spcPts val="0"/>
-              </a:spcAft>
-              <a:buClrTx/>
-              <a:buSzTx/>
-              <a:buFontTx/>
-              <a:buNone/>
-              <a:tabLst/>
-              <a:defRPr/>
-            </a:pPr>
-            <a:endParaRPr kumimoji="0" lang="en-US" sz="1800" b="0" i="0" u="none" strike="noStrike" kern="0" cap="none" spc="0" normalizeH="0" baseline="0" noProof="0" dirty="0">
-              <a:ln>
-                <a:noFill/>
-              </a:ln>
-              <a:solidFill>
-                <a:prstClr val="white"/>
-              </a:solidFill>
-              <a:effectLst/>
-              <a:uLnTx/>
-              <a:uFillTx/>
-              <a:latin typeface="Calibri"/>
-              <a:ea typeface="+mn-ea"/>
-              <a:cs typeface="+mn-cs"/>
-            </a:endParaRPr>
-          </a:p>
-        </p:txBody>
-      </p:sp>
-    </p:spTree>
-    <p:extLst>
-      <p:ext uri="{BB962C8B-B14F-4D97-AF65-F5344CB8AC3E}">
-        <p14:creationId xmlns:p14="http://schemas.microsoft.com/office/powerpoint/2010/main" val="106530140"/>
-      </p:ext>
-    </p:extLst>
-  </p:cSld>
-  <p:clrMapOvr>
-    <a:masterClrMapping/>
-  </p:clrMapOvr>
-  <mc:AlternateContent xmlns:mc="http://schemas.openxmlformats.org/markup-compatibility/2006" xmlns:p14="http://schemas.microsoft.com/office/powerpoint/2010/main">
-    <mc:Choice Requires="p14">
-      <p:transition spd="med" p14:dur="700">
-        <p:fade/>
-      </p:transition>
-    </mc:Choice>
-    <mc:Fallback xmlns="">
-      <p:transition spd="med">
-        <p:fade/>
-      </p:transition>
-    </mc:Fallback>
-  </mc:AlternateContent>
-</p:sld>
-</file>
-
-<file path=ppt/slides/slide24.xml><?xml version="1.0" encoding="utf-8"?>
 <p:sld xmlns:a="http://schemas.openxmlformats.org/drawingml/2006/main" xmlns:r="http://schemas.openxmlformats.org/officeDocument/2006/relationships" xmlns:p="http://schemas.openxmlformats.org/presentationml/2006/main">
   <p:cSld>
     <p:bg>
@@ -25730,15 +25047,6 @@
 </file>
 
 <file path=customXml/item1.xml><?xml version="1.0" encoding="utf-8"?>
-<?mso-contentType ?>
-<FormTemplates xmlns="http://schemas.microsoft.com/sharepoint/v3/contenttype/forms">
-  <Display>DocumentLibraryForm</Display>
-  <Edit>DocumentLibraryForm</Edit>
-  <New>DocumentLibraryForm</New>
-</FormTemplates>
-</file>
-
-<file path=customXml/item2.xml><?xml version="1.0" encoding="utf-8"?>
 <p:properties xmlns:p="http://schemas.microsoft.com/office/2006/metadata/properties" xmlns:xsi="http://www.w3.org/2001/XMLSchema-instance" xmlns:pc="http://schemas.microsoft.com/office/infopath/2007/PartnerControls">
   <documentManagement>
     <VSO_x0020_item_x0020_id xmlns="40262f94-9f35-4ac3-9a90-690165a166b7" xsi:nil="true"/>
@@ -25747,6 +25055,15 @@
     <Template_x0020_details xmlns="40262f94-9f35-4ac3-9a90-690165a166b7" xsi:nil="true"/>
   </documentManagement>
 </p:properties>
+</file>
+
+<file path=customXml/item2.xml><?xml version="1.0" encoding="utf-8"?>
+<?mso-contentType ?>
+<FormTemplates xmlns="http://schemas.microsoft.com/sharepoint/v3/contenttype/forms">
+  <Display>DocumentLibraryForm</Display>
+  <Edit>DocumentLibraryForm</Edit>
+  <New>DocumentLibraryForm</New>
+</FormTemplates>
 </file>
 
 <file path=customXml/item3.xml><?xml version="1.0" encoding="utf-8"?>
@@ -25931,14 +25248,6 @@
 </file>
 
 <file path=customXml/itemProps1.xml><?xml version="1.0" encoding="utf-8"?>
-<ds:datastoreItem xmlns:ds="http://schemas.openxmlformats.org/officeDocument/2006/customXml" ds:itemID="{308942AA-0721-4324-BC2C-A3CB43F24E71}">
-  <ds:schemaRefs>
-    <ds:schemaRef ds:uri="http://schemas.microsoft.com/sharepoint/v3/contenttype/forms"/>
-  </ds:schemaRefs>
-</ds:datastoreItem>
-</file>
-
-<file path=customXml/itemProps2.xml><?xml version="1.0" encoding="utf-8"?>
 <ds:datastoreItem xmlns:ds="http://schemas.openxmlformats.org/officeDocument/2006/customXml" ds:itemID="{5E700CCB-20BA-4760-AB9F-AC3B63ED32E0}">
   <ds:schemaRefs>
     <ds:schemaRef ds:uri="http://schemas.microsoft.com/office/infopath/2007/PartnerControls"/>
@@ -25951,6 +25260,14 @@
     <ds:schemaRef ds:uri="40262f94-9f35-4ac3-9a90-690165a166b7"/>
     <ds:schemaRef ds:uri="a4f35948-e619-41b3-aa29-22878b09cfd2"/>
     <ds:schemaRef ds:uri="http://www.w3.org/XML/1998/namespace"/>
+  </ds:schemaRefs>
+</ds:datastoreItem>
+</file>
+
+<file path=customXml/itemProps2.xml><?xml version="1.0" encoding="utf-8"?>
+<ds:datastoreItem xmlns:ds="http://schemas.openxmlformats.org/officeDocument/2006/customXml" ds:itemID="{308942AA-0721-4324-BC2C-A3CB43F24E71}">
+  <ds:schemaRefs>
+    <ds:schemaRef ds:uri="http://schemas.microsoft.com/sharepoint/v3/contenttype/forms"/>
   </ds:schemaRefs>
 </ds:datastoreItem>
 </file>
